--- a/EE/ppt/Coded Computation for Multicore Setups.pptx
+++ b/EE/ppt/Coded Computation for Multicore Setups.pptx
@@ -5,7 +5,7 @@
     <p:sldMasterId id="2147483648" r:id="rId1"/>
   </p:sldMasterIdLst>
   <p:notesMasterIdLst>
-    <p:notesMasterId r:id="rId17"/>
+    <p:notesMasterId r:id="rId18"/>
   </p:notesMasterIdLst>
   <p:sldIdLst>
     <p:sldId id="256" r:id="rId2"/>
@@ -23,6 +23,7 @@
     <p:sldId id="339" r:id="rId14"/>
     <p:sldId id="342" r:id="rId15"/>
     <p:sldId id="341" r:id="rId16"/>
+    <p:sldId id="343" r:id="rId17"/>
   </p:sldIdLst>
   <p:sldSz cx="12192000" cy="6858000"/>
   <p:notesSz cx="6858000" cy="9144000"/>
@@ -223,7 +224,7 @@
           <a:p>
             <a:fld id="{0D192E67-DB73-4CBE-9853-17C6FD70389C}" type="datetimeFigureOut">
               <a:rPr lang="zh-CN" altLang="en-US" smtClean="0"/>
-              <a:t>2019/10/27</a:t>
+              <a:t>2020/2/21</a:t>
             </a:fld>
             <a:endParaRPr lang="zh-CN" altLang="en-US"/>
           </a:p>
@@ -619,7 +620,7 @@
           <a:p>
             <a:fld id="{256367BE-FCF9-4078-A470-30B7DC5F97E0}" type="datetimeFigureOut">
               <a:rPr lang="zh-CN" altLang="en-US" smtClean="0"/>
-              <a:t>2019/10/27</a:t>
+              <a:t>2020/2/21</a:t>
             </a:fld>
             <a:endParaRPr lang="zh-CN" altLang="en-US"/>
           </a:p>
@@ -787,7 +788,7 @@
           <a:p>
             <a:fld id="{256367BE-FCF9-4078-A470-30B7DC5F97E0}" type="datetimeFigureOut">
               <a:rPr lang="zh-CN" altLang="en-US" smtClean="0"/>
-              <a:t>2019/10/27</a:t>
+              <a:t>2020/2/21</a:t>
             </a:fld>
             <a:endParaRPr lang="zh-CN" altLang="en-US"/>
           </a:p>
@@ -965,7 +966,7 @@
           <a:p>
             <a:fld id="{256367BE-FCF9-4078-A470-30B7DC5F97E0}" type="datetimeFigureOut">
               <a:rPr lang="zh-CN" altLang="en-US" smtClean="0"/>
-              <a:t>2019/10/27</a:t>
+              <a:t>2020/2/21</a:t>
             </a:fld>
             <a:endParaRPr lang="zh-CN" altLang="en-US"/>
           </a:p>
@@ -1133,7 +1134,7 @@
           <a:p>
             <a:fld id="{256367BE-FCF9-4078-A470-30B7DC5F97E0}" type="datetimeFigureOut">
               <a:rPr lang="zh-CN" altLang="en-US" smtClean="0"/>
-              <a:t>2019/10/27</a:t>
+              <a:t>2020/2/21</a:t>
             </a:fld>
             <a:endParaRPr lang="zh-CN" altLang="en-US"/>
           </a:p>
@@ -1378,7 +1379,7 @@
           <a:p>
             <a:fld id="{256367BE-FCF9-4078-A470-30B7DC5F97E0}" type="datetimeFigureOut">
               <a:rPr lang="zh-CN" altLang="en-US" smtClean="0"/>
-              <a:t>2019/10/27</a:t>
+              <a:t>2020/2/21</a:t>
             </a:fld>
             <a:endParaRPr lang="zh-CN" altLang="en-US"/>
           </a:p>
@@ -1607,7 +1608,7 @@
           <a:p>
             <a:fld id="{256367BE-FCF9-4078-A470-30B7DC5F97E0}" type="datetimeFigureOut">
               <a:rPr lang="zh-CN" altLang="en-US" smtClean="0"/>
-              <a:t>2019/10/27</a:t>
+              <a:t>2020/2/21</a:t>
             </a:fld>
             <a:endParaRPr lang="zh-CN" altLang="en-US"/>
           </a:p>
@@ -1971,7 +1972,7 @@
           <a:p>
             <a:fld id="{256367BE-FCF9-4078-A470-30B7DC5F97E0}" type="datetimeFigureOut">
               <a:rPr lang="zh-CN" altLang="en-US" smtClean="0"/>
-              <a:t>2019/10/27</a:t>
+              <a:t>2020/2/21</a:t>
             </a:fld>
             <a:endParaRPr lang="zh-CN" altLang="en-US"/>
           </a:p>
@@ -2088,7 +2089,7 @@
           <a:p>
             <a:fld id="{256367BE-FCF9-4078-A470-30B7DC5F97E0}" type="datetimeFigureOut">
               <a:rPr lang="zh-CN" altLang="en-US" smtClean="0"/>
-              <a:t>2019/10/27</a:t>
+              <a:t>2020/2/21</a:t>
             </a:fld>
             <a:endParaRPr lang="zh-CN" altLang="en-US"/>
           </a:p>
@@ -2183,7 +2184,7 @@
           <a:p>
             <a:fld id="{256367BE-FCF9-4078-A470-30B7DC5F97E0}" type="datetimeFigureOut">
               <a:rPr lang="zh-CN" altLang="en-US" smtClean="0"/>
-              <a:t>2019/10/27</a:t>
+              <a:t>2020/2/21</a:t>
             </a:fld>
             <a:endParaRPr lang="zh-CN" altLang="en-US"/>
           </a:p>
@@ -2458,7 +2459,7 @@
           <a:p>
             <a:fld id="{256367BE-FCF9-4078-A470-30B7DC5F97E0}" type="datetimeFigureOut">
               <a:rPr lang="zh-CN" altLang="en-US" smtClean="0"/>
-              <a:t>2019/10/27</a:t>
+              <a:t>2020/2/21</a:t>
             </a:fld>
             <a:endParaRPr lang="zh-CN" altLang="en-US"/>
           </a:p>
@@ -2710,7 +2711,7 @@
           <a:p>
             <a:fld id="{256367BE-FCF9-4078-A470-30B7DC5F97E0}" type="datetimeFigureOut">
               <a:rPr lang="zh-CN" altLang="en-US" smtClean="0"/>
-              <a:t>2019/10/27</a:t>
+              <a:t>2020/2/21</a:t>
             </a:fld>
             <a:endParaRPr lang="zh-CN" altLang="en-US"/>
           </a:p>
@@ -2921,7 +2922,7 @@
           <a:p>
             <a:fld id="{256367BE-FCF9-4078-A470-30B7DC5F97E0}" type="datetimeFigureOut">
               <a:rPr lang="zh-CN" altLang="en-US" smtClean="0"/>
-              <a:t>2019/10/27</a:t>
+              <a:t>2020/2/21</a:t>
             </a:fld>
             <a:endParaRPr lang="zh-CN" altLang="en-US"/>
           </a:p>
@@ -6663,6 +6664,585 @@
     <p:extLst>
       <p:ext uri="{BB962C8B-B14F-4D97-AF65-F5344CB8AC3E}">
         <p14:creationId xmlns:p14="http://schemas.microsoft.com/office/powerpoint/2010/main" val="3196604023"/>
+      </p:ext>
+    </p:extLst>
+  </p:cSld>
+  <p:clrMapOvr>
+    <a:masterClrMapping/>
+  </p:clrMapOvr>
+</p:sld>
+</file>
+
+<file path=ppt/slides/slide16.xml><?xml version="1.0" encoding="utf-8"?>
+<p:sld xmlns:a="http://schemas.openxmlformats.org/drawingml/2006/main" xmlns:r="http://schemas.openxmlformats.org/officeDocument/2006/relationships" xmlns:p="http://schemas.openxmlformats.org/presentationml/2006/main">
+  <p:cSld>
+    <p:spTree>
+      <p:nvGrpSpPr>
+        <p:cNvPr id="1" name=""/>
+        <p:cNvGrpSpPr/>
+        <p:nvPr/>
+      </p:nvGrpSpPr>
+      <p:grpSpPr>
+        <a:xfrm>
+          <a:off x="0" y="0"/>
+          <a:ext cx="0" cy="0"/>
+          <a:chOff x="0" y="0"/>
+          <a:chExt cx="0" cy="0"/>
+        </a:xfrm>
+      </p:grpSpPr>
+      <mc:AlternateContent xmlns:mc="http://schemas.openxmlformats.org/markup-compatibility/2006">
+        <mc:Choice xmlns:a14="http://schemas.microsoft.com/office/drawing/2010/main" Requires="a14">
+          <p:sp>
+            <p:nvSpPr>
+              <p:cNvPr id="3" name="内容占位符 2"/>
+              <p:cNvSpPr>
+                <a:spLocks noGrp="1"/>
+              </p:cNvSpPr>
+              <p:nvPr>
+                <p:ph idx="1"/>
+              </p:nvPr>
+            </p:nvSpPr>
+            <p:spPr>
+              <a:xfrm>
+                <a:off x="512885" y="870438"/>
+                <a:ext cx="9649210" cy="5468815"/>
+              </a:xfrm>
+            </p:spPr>
+            <p:txBody>
+              <a:bodyPr>
+                <a:normAutofit/>
+              </a:bodyPr>
+              <a:lstStyle/>
+              <a:p>
+                <a:pPr marL="0" indent="0">
+                  <a:buNone/>
+                </a:pPr>
+                <a:r>
+                  <a:rPr lang="zh-CN" altLang="en-US" sz="2000" dirty="0"/>
+                  <a:t>很经典，每个节点的行数建模为每个节点的</a:t>
+                </a:r>
+                <a:r>
+                  <a:rPr lang="en-US" altLang="zh-CN" sz="2000" dirty="0"/>
+                  <a:t>communication time</a:t>
+                </a:r>
+              </a:p>
+              <a:p>
+                <a:pPr marL="0" indent="0">
+                  <a:buNone/>
+                </a:pPr>
+                <a:r>
+                  <a:rPr lang="zh-CN" altLang="en-US" sz="2000" dirty="0"/>
+                  <a:t>每个节点利用</a:t>
+                </a:r>
+                <a:r>
+                  <a:rPr lang="en-US" altLang="zh-CN" sz="2000" dirty="0"/>
+                  <a:t>p</a:t>
+                </a:r>
+                <a:r>
+                  <a:rPr lang="zh-CN" altLang="en-US" sz="2000" dirty="0"/>
+                  <a:t>个内核</a:t>
+                </a:r>
+                <a:r>
+                  <a:rPr lang="en-US" altLang="zh-CN" sz="2000" dirty="0"/>
+                  <a:t>(</a:t>
+                </a:r>
+                <a:r>
+                  <a:rPr lang="zh-CN" altLang="en-US" sz="2000" dirty="0"/>
+                  <a:t>次序统计量</a:t>
+                </a:r>
+                <a:r>
+                  <a:rPr lang="en-US" altLang="zh-CN" sz="2000" dirty="0"/>
+                  <a:t>)</a:t>
+                </a:r>
+                <a:r>
+                  <a:rPr lang="zh-CN" altLang="en-US" sz="2000" dirty="0"/>
+                  <a:t>完成的任务数建模为每个节点的</a:t>
+                </a:r>
+                <a:r>
+                  <a:rPr lang="en-US" altLang="zh-CN" sz="2000" dirty="0"/>
+                  <a:t>computation time</a:t>
+                </a:r>
+              </a:p>
+              <a:p>
+                <a:pPr marL="0" indent="0">
+                  <a:buNone/>
+                </a:pPr>
+                <a:endParaRPr lang="en-US" altLang="zh-CN" sz="2000" dirty="0"/>
+              </a:p>
+              <a:p>
+                <a:pPr marL="0" indent="0">
+                  <a:buNone/>
+                </a:pPr>
+                <a14:m>
+                  <m:oMath xmlns:m="http://schemas.openxmlformats.org/officeDocument/2006/math">
+                    <m:sSub>
+                      <m:sSubPr>
+                        <m:ctrlPr>
+                          <a:rPr lang="en-US" altLang="zh-CN" sz="2000" i="1">
+                            <a:latin typeface="Cambria Math" panose="02040503050406030204" pitchFamily="18" charset="0"/>
+                          </a:rPr>
+                        </m:ctrlPr>
+                      </m:sSubPr>
+                      <m:e>
+                        <m:r>
+                          <a:rPr lang="en-US" altLang="zh-CN" sz="2000" b="1" i="1">
+                            <a:latin typeface="Cambria Math" panose="02040503050406030204" pitchFamily="18" charset="0"/>
+                          </a:rPr>
+                          <m:t>𝑪</m:t>
+                        </m:r>
+                      </m:e>
+                      <m:sub>
+                        <m:r>
+                          <a:rPr lang="en-US" altLang="zh-CN" sz="2000" i="1">
+                            <a:latin typeface="Cambria Math" panose="02040503050406030204" pitchFamily="18" charset="0"/>
+                          </a:rPr>
+                          <m:t>𝑖</m:t>
+                        </m:r>
+                      </m:sub>
+                    </m:sSub>
+                  </m:oMath>
+                </a14:m>
+                <a:r>
+                  <a:rPr lang="en-US" altLang="zh-CN" sz="2000" dirty="0"/>
+                  <a:t>=[</a:t>
+                </a:r>
+                <a14:m>
+                  <m:oMath xmlns:m="http://schemas.openxmlformats.org/officeDocument/2006/math">
+                    <m:sSub>
+                      <m:sSubPr>
+                        <m:ctrlPr>
+                          <a:rPr lang="en-US" altLang="zh-CN" sz="2000" i="1" dirty="0">
+                            <a:latin typeface="Cambria Math" panose="02040503050406030204" pitchFamily="18" charset="0"/>
+                          </a:rPr>
+                        </m:ctrlPr>
+                      </m:sSubPr>
+                      <m:e>
+                        <m:r>
+                          <a:rPr lang="en-US" altLang="zh-CN" sz="2000" i="1" dirty="0">
+                            <a:latin typeface="Cambria Math" panose="02040503050406030204" pitchFamily="18" charset="0"/>
+                          </a:rPr>
+                          <m:t>𝑐</m:t>
+                        </m:r>
+                      </m:e>
+                      <m:sub>
+                        <m:r>
+                          <a:rPr lang="en-US" altLang="zh-CN" sz="2000" i="1" dirty="0">
+                            <a:latin typeface="Cambria Math" panose="02040503050406030204" pitchFamily="18" charset="0"/>
+                          </a:rPr>
+                          <m:t>𝑖</m:t>
+                        </m:r>
+                        <m:r>
+                          <a:rPr lang="en-US" altLang="zh-CN" sz="2000" i="1" dirty="0">
+                            <a:latin typeface="Cambria Math" panose="02040503050406030204" pitchFamily="18" charset="0"/>
+                          </a:rPr>
+                          <m:t>,</m:t>
+                        </m:r>
+                        <m:r>
+                          <a:rPr lang="en-US" altLang="zh-CN" sz="2000" i="1" dirty="0">
+                            <a:latin typeface="Cambria Math" panose="02040503050406030204" pitchFamily="18" charset="0"/>
+                          </a:rPr>
+                          <m:t>𝑗</m:t>
+                        </m:r>
+                        <m:r>
+                          <a:rPr lang="en-US" altLang="zh-CN" sz="2000" i="1" dirty="0">
+                            <a:latin typeface="Cambria Math" panose="02040503050406030204" pitchFamily="18" charset="0"/>
+                          </a:rPr>
+                          <m:t>,</m:t>
+                        </m:r>
+                        <m:r>
+                          <a:rPr lang="en-US" altLang="zh-CN" sz="2000" i="1" dirty="0">
+                            <a:latin typeface="Cambria Math" panose="02040503050406030204" pitchFamily="18" charset="0"/>
+                          </a:rPr>
+                          <m:t>𝑚</m:t>
+                        </m:r>
+                      </m:sub>
+                    </m:sSub>
+                  </m:oMath>
+                </a14:m>
+                <a:r>
+                  <a:rPr lang="en-US" altLang="zh-CN" sz="2000" dirty="0"/>
+                  <a:t>]</a:t>
+                </a:r>
+                <a:r>
+                  <a:rPr lang="zh-CN" altLang="en-US" sz="2000" dirty="0"/>
+                  <a:t>∈</a:t>
+                </a:r>
+                <a14:m>
+                  <m:oMath xmlns:m="http://schemas.openxmlformats.org/officeDocument/2006/math">
+                    <m:sSup>
+                      <m:sSupPr>
+                        <m:ctrlPr>
+                          <a:rPr lang="en-US" altLang="zh-CN" sz="2000" i="1">
+                            <a:latin typeface="Cambria Math" panose="02040503050406030204" pitchFamily="18" charset="0"/>
+                          </a:rPr>
+                        </m:ctrlPr>
+                      </m:sSupPr>
+                      <m:e>
+                        <m:r>
+                          <a:rPr lang="en-US" altLang="zh-CN" sz="2000" i="1">
+                            <a:latin typeface="Cambria Math" panose="02040503050406030204" pitchFamily="18" charset="0"/>
+                            <a:ea typeface="Cambria Math" panose="02040503050406030204" pitchFamily="18" charset="0"/>
+                          </a:rPr>
+                          <m:t>ℝ</m:t>
+                        </m:r>
+                      </m:e>
+                      <m:sup>
+                        <m:sSub>
+                          <m:sSubPr>
+                            <m:ctrlPr>
+                              <a:rPr lang="en-US" altLang="zh-CN" sz="2000" i="1">
+                                <a:latin typeface="Cambria Math" panose="02040503050406030204" pitchFamily="18" charset="0"/>
+                              </a:rPr>
+                            </m:ctrlPr>
+                          </m:sSubPr>
+                          <m:e>
+                            <m:r>
+                              <a:rPr lang="en-US" altLang="zh-CN" sz="2000" i="1">
+                                <a:latin typeface="Cambria Math" panose="02040503050406030204" pitchFamily="18" charset="0"/>
+                              </a:rPr>
+                              <m:t>𝑅</m:t>
+                            </m:r>
+                          </m:e>
+                          <m:sub>
+                            <m:r>
+                              <a:rPr lang="en-US" altLang="zh-CN" sz="2000" i="1">
+                                <a:latin typeface="Cambria Math" panose="02040503050406030204" pitchFamily="18" charset="0"/>
+                              </a:rPr>
+                              <m:t>𝑖</m:t>
+                            </m:r>
+                          </m:sub>
+                        </m:sSub>
+                        <m:r>
+                          <a:rPr lang="en-US" altLang="zh-CN" sz="2000" i="1">
+                            <a:latin typeface="Cambria Math" panose="02040503050406030204" pitchFamily="18" charset="0"/>
+                          </a:rPr>
+                          <m:t>×</m:t>
+                        </m:r>
+                        <m:r>
+                          <m:rPr>
+                            <m:sty m:val="p"/>
+                          </m:rPr>
+                          <a:rPr lang="en-US" altLang="zh-CN" sz="2000" i="1">
+                            <a:latin typeface="Cambria Math" panose="02040503050406030204" pitchFamily="18" charset="0"/>
+                          </a:rPr>
+                          <m:t>k</m:t>
+                        </m:r>
+                      </m:sup>
+                    </m:sSup>
+                  </m:oMath>
+                </a14:m>
+                <a:r>
+                  <a:rPr lang="en-US" altLang="zh-CN" sz="2000" dirty="0"/>
+                  <a:t> </a:t>
+                </a:r>
+                <a:r>
+                  <a:rPr lang="zh-CN" altLang="en-US" sz="2000" dirty="0"/>
+                  <a:t>系数矩阵，决定哪些</a:t>
+                </a:r>
+                <a:r>
+                  <a:rPr lang="en-US" altLang="zh-CN" sz="2000" dirty="0"/>
+                  <a:t>functions</a:t>
+                </a:r>
+                <a:r>
+                  <a:rPr lang="zh-CN" altLang="en-US" sz="2000" dirty="0"/>
+                  <a:t>会被</a:t>
+                </a:r>
+                <a:r>
+                  <a:rPr lang="en-US" altLang="zh-CN" sz="2000" dirty="0"/>
+                  <a:t>worker </a:t>
+                </a:r>
+                <a:r>
+                  <a:rPr lang="en-US" altLang="zh-CN" sz="2000" dirty="0" err="1"/>
+                  <a:t>i</a:t>
+                </a:r>
+                <a:r>
+                  <a:rPr lang="en-US" altLang="zh-CN" sz="2000" dirty="0"/>
+                  <a:t> </a:t>
+                </a:r>
+                <a:r>
+                  <a:rPr lang="zh-CN" altLang="en-US" sz="2000" dirty="0"/>
+                  <a:t>计算，以及</a:t>
+                </a:r>
+                <a14:m>
+                  <m:oMath xmlns:m="http://schemas.openxmlformats.org/officeDocument/2006/math">
+                    <m:sSub>
+                      <m:sSubPr>
+                        <m:ctrlPr>
+                          <a:rPr lang="en-US" altLang="zh-CN" sz="2000" i="1">
+                            <a:latin typeface="Cambria Math" panose="02040503050406030204" pitchFamily="18" charset="0"/>
+                          </a:rPr>
+                        </m:ctrlPr>
+                      </m:sSubPr>
+                      <m:e>
+                        <m:r>
+                          <a:rPr lang="en-US" altLang="zh-CN" sz="2000" i="1">
+                            <a:latin typeface="Cambria Math" panose="02040503050406030204" pitchFamily="18" charset="0"/>
+                          </a:rPr>
+                          <m:t>𝑅</m:t>
+                        </m:r>
+                      </m:e>
+                      <m:sub>
+                        <m:r>
+                          <a:rPr lang="en-US" altLang="zh-CN" sz="2000" i="1">
+                            <a:latin typeface="Cambria Math" panose="02040503050406030204" pitchFamily="18" charset="0"/>
+                          </a:rPr>
+                          <m:t>𝑖</m:t>
+                        </m:r>
+                      </m:sub>
+                    </m:sSub>
+                    <m:r>
+                      <a:rPr lang="zh-CN" altLang="en-US" sz="2000" i="1">
+                        <a:latin typeface="Cambria Math" panose="02040503050406030204" pitchFamily="18" charset="0"/>
+                      </a:rPr>
+                      <m:t>个</m:t>
+                    </m:r>
+                  </m:oMath>
+                </a14:m>
+                <a:r>
+                  <a:rPr lang="en-US" altLang="zh-CN" sz="2000" dirty="0"/>
+                  <a:t>functions</a:t>
+                </a:r>
+                <a:r>
+                  <a:rPr lang="zh-CN" altLang="en-US" sz="2000" dirty="0"/>
+                  <a:t>的结合如何构造（文中定义每个</a:t>
+                </a:r>
+                <a:r>
+                  <a:rPr lang="en-US" altLang="zh-CN" sz="2000" dirty="0"/>
+                  <a:t>worker</a:t>
+                </a:r>
+                <a:r>
+                  <a:rPr lang="zh-CN" altLang="en-US" sz="2000" dirty="0"/>
+                  <a:t>发送一个</a:t>
+                </a:r>
+                <a:r>
+                  <a:rPr lang="en-US" altLang="zh-CN" sz="2000" dirty="0"/>
+                  <a:t>message</a:t>
+                </a:r>
+                <a:r>
+                  <a:rPr lang="zh-CN" altLang="en-US" sz="2000" dirty="0"/>
+                  <a:t>，其长度为</a:t>
+                </a:r>
+                <a14:m>
+                  <m:oMath xmlns:m="http://schemas.openxmlformats.org/officeDocument/2006/math">
+                    <m:sSub>
+                      <m:sSubPr>
+                        <m:ctrlPr>
+                          <a:rPr lang="en-US" altLang="zh-CN" sz="2000" i="1">
+                            <a:latin typeface="Cambria Math" panose="02040503050406030204" pitchFamily="18" charset="0"/>
+                          </a:rPr>
+                        </m:ctrlPr>
+                      </m:sSubPr>
+                      <m:e>
+                        <m:r>
+                          <a:rPr lang="en-US" altLang="zh-CN" sz="2000" i="1">
+                            <a:latin typeface="Cambria Math" panose="02040503050406030204" pitchFamily="18" charset="0"/>
+                          </a:rPr>
+                          <m:t>𝑅</m:t>
+                        </m:r>
+                      </m:e>
+                      <m:sub>
+                        <m:r>
+                          <a:rPr lang="en-US" altLang="zh-CN" sz="2000" i="1">
+                            <a:latin typeface="Cambria Math" panose="02040503050406030204" pitchFamily="18" charset="0"/>
+                          </a:rPr>
+                          <m:t>𝑖</m:t>
+                        </m:r>
+                      </m:sub>
+                    </m:sSub>
+                  </m:oMath>
+                </a14:m>
+                <a:r>
+                  <a:rPr lang="zh-CN" altLang="en-US" sz="2000" dirty="0"/>
+                  <a:t>）</a:t>
+                </a:r>
+                <a:endParaRPr lang="en-US" altLang="zh-CN" sz="2000" dirty="0"/>
+              </a:p>
+              <a:p>
+                <a:pPr marL="0" indent="0">
+                  <a:buNone/>
+                </a:pPr>
+                <a:endParaRPr lang="en-US" altLang="zh-CN" sz="2000" dirty="0"/>
+              </a:p>
+              <a:p>
+                <a:pPr marL="0" indent="0">
+                  <a:buNone/>
+                </a:pPr>
+                <a:r>
+                  <a:rPr lang="zh-CN" altLang="en-US" sz="2000" dirty="0"/>
+                  <a:t>要先利用</a:t>
+                </a:r>
+                <a:r>
+                  <a:rPr lang="en-US" altLang="zh-CN" sz="2000" dirty="0"/>
+                  <a:t>p</a:t>
+                </a:r>
+                <a:r>
+                  <a:rPr lang="zh-CN" altLang="en-US" sz="2000" dirty="0"/>
+                  <a:t>个节点完成给定任务数</a:t>
+                </a:r>
+                <a:r>
+                  <a:rPr lang="en-US" altLang="zh-CN" sz="2000" dirty="0"/>
+                  <a:t>(</a:t>
+                </a:r>
+                <a14:m>
+                  <m:oMath xmlns:m="http://schemas.openxmlformats.org/officeDocument/2006/math">
+                    <m:sSub>
+                      <m:sSubPr>
+                        <m:ctrlPr>
+                          <a:rPr lang="en-US" altLang="zh-CN" sz="2000" i="1">
+                            <a:latin typeface="Cambria Math" panose="02040503050406030204" pitchFamily="18" charset="0"/>
+                          </a:rPr>
+                        </m:ctrlPr>
+                      </m:sSubPr>
+                      <m:e>
+                        <m:r>
+                          <a:rPr lang="en-US" altLang="zh-CN" sz="2000" b="1" i="1">
+                            <a:latin typeface="Cambria Math" panose="02040503050406030204" pitchFamily="18" charset="0"/>
+                          </a:rPr>
+                          <m:t>𝑪</m:t>
+                        </m:r>
+                      </m:e>
+                      <m:sub>
+                        <m:r>
+                          <a:rPr lang="en-US" altLang="zh-CN" sz="2000" i="1">
+                            <a:latin typeface="Cambria Math" panose="02040503050406030204" pitchFamily="18" charset="0"/>
+                          </a:rPr>
+                          <m:t>𝑖</m:t>
+                        </m:r>
+                      </m:sub>
+                    </m:sSub>
+                  </m:oMath>
+                </a14:m>
+                <a:r>
+                  <a:rPr lang="zh-CN" altLang="en-US" sz="2000" dirty="0"/>
+                  <a:t>的非零列个数，不能超过</a:t>
+                </a:r>
+                <a:r>
+                  <a:rPr lang="en-US" altLang="zh-CN" sz="2000" dirty="0"/>
+                  <a:t>p)</a:t>
+                </a:r>
+              </a:p>
+              <a:p>
+                <a:pPr marL="0" indent="0">
+                  <a:buNone/>
+                </a:pPr>
+                <a:r>
+                  <a:rPr lang="zh-CN" altLang="en-US" sz="2000" dirty="0"/>
+                  <a:t>然后每个节点还要对这些任务数进行</a:t>
+                </a:r>
+                <a14:m>
+                  <m:oMath xmlns:m="http://schemas.openxmlformats.org/officeDocument/2006/math">
+                    <m:sSub>
+                      <m:sSubPr>
+                        <m:ctrlPr>
+                          <a:rPr lang="en-US" altLang="zh-CN" sz="2000" i="1">
+                            <a:latin typeface="Cambria Math" panose="02040503050406030204" pitchFamily="18" charset="0"/>
+                          </a:rPr>
+                        </m:ctrlPr>
+                      </m:sSubPr>
+                      <m:e>
+                        <m:r>
+                          <a:rPr lang="en-US" altLang="zh-CN" sz="2000" i="1">
+                            <a:latin typeface="Cambria Math" panose="02040503050406030204" pitchFamily="18" charset="0"/>
+                          </a:rPr>
+                          <m:t>𝑅</m:t>
+                        </m:r>
+                      </m:e>
+                      <m:sub>
+                        <m:r>
+                          <a:rPr lang="en-US" altLang="zh-CN" sz="2000" i="1">
+                            <a:latin typeface="Cambria Math" panose="02040503050406030204" pitchFamily="18" charset="0"/>
+                          </a:rPr>
+                          <m:t>𝑖</m:t>
+                        </m:r>
+                      </m:sub>
+                    </m:sSub>
+                  </m:oMath>
+                </a14:m>
+                <a:r>
+                  <a:rPr lang="zh-CN" altLang="en-US" sz="2000" dirty="0"/>
+                  <a:t>次线性组合，建模为</a:t>
+                </a:r>
+                <a:r>
+                  <a:rPr lang="en-US" altLang="zh-CN" sz="2000" dirty="0"/>
+                  <a:t>communication time</a:t>
+                </a:r>
+                <a:r>
+                  <a:rPr lang="zh-CN" altLang="en-US" sz="2000" dirty="0"/>
+                  <a:t>！！</a:t>
+                </a:r>
+                <a:endParaRPr lang="en-US" altLang="zh-CN" sz="2000" dirty="0"/>
+              </a:p>
+              <a:p>
+                <a:pPr marL="0" indent="0">
+                  <a:buNone/>
+                </a:pPr>
+                <a:r>
+                  <a:rPr lang="en-US" altLang="zh-CN" sz="2000" dirty="0"/>
+                  <a:t>Computation time</a:t>
+                </a:r>
+                <a:r>
+                  <a:rPr lang="zh-CN" altLang="en-US" sz="2000" dirty="0"/>
+                  <a:t>与任务数有关</a:t>
+                </a:r>
+                <a:endParaRPr lang="en-US" altLang="zh-CN" sz="2000" dirty="0"/>
+              </a:p>
+              <a:p>
+                <a:pPr marL="0" indent="0">
+                  <a:buNone/>
+                </a:pPr>
+                <a:endParaRPr lang="en-US" altLang="zh-CN" sz="2000" dirty="0"/>
+              </a:p>
+              <a:p>
+                <a:pPr marL="0" indent="0">
+                  <a:buNone/>
+                </a:pPr>
+                <a:endParaRPr lang="en-US" altLang="zh-CN" sz="2000" dirty="0"/>
+              </a:p>
+            </p:txBody>
+          </p:sp>
+        </mc:Choice>
+        <mc:Fallback>
+          <p:sp>
+            <p:nvSpPr>
+              <p:cNvPr id="3" name="内容占位符 2"/>
+              <p:cNvSpPr>
+                <a:spLocks noGrp="1" noRot="1" noChangeAspect="1" noMove="1" noResize="1" noEditPoints="1" noAdjustHandles="1" noChangeArrowheads="1" noChangeShapeType="1" noTextEdit="1"/>
+              </p:cNvSpPr>
+              <p:nvPr>
+                <p:ph idx="1"/>
+              </p:nvPr>
+            </p:nvSpPr>
+            <p:spPr>
+              <a:xfrm>
+                <a:off x="512885" y="870438"/>
+                <a:ext cx="9649210" cy="5468815"/>
+              </a:xfrm>
+              <a:blipFill>
+                <a:blip r:embed="rId2"/>
+                <a:stretch>
+                  <a:fillRect l="-632" t="-1449" r="-63"/>
+                </a:stretch>
+              </a:blipFill>
+            </p:spPr>
+            <p:txBody>
+              <a:bodyPr/>
+              <a:lstStyle/>
+              <a:p>
+                <a:r>
+                  <a:rPr lang="zh-CN" altLang="en-US">
+                    <a:noFill/>
+                  </a:rPr>
+                  <a:t> </a:t>
+                </a:r>
+              </a:p>
+            </p:txBody>
+          </p:sp>
+        </mc:Fallback>
+      </mc:AlternateContent>
+    </p:spTree>
+    <p:extLst>
+      <p:ext uri="{BB962C8B-B14F-4D97-AF65-F5344CB8AC3E}">
+        <p14:creationId xmlns:p14="http://schemas.microsoft.com/office/powerpoint/2010/main" val="4270487962"/>
       </p:ext>
     </p:extLst>
   </p:cSld>
